--- a/Presentation Time Series.pptx
+++ b/Presentation Time Series.pptx
@@ -124,6 +124,11 @@
       </a:defRPr>
     </a:lvl9pPr>
   </p:defaultTextStyle>
+  <p:extLst>
+    <p:ext uri="{EFAFB233-063F-42B5-8137-9DF3F51BA10A}">
+      <p15:sldGuideLst xmlns:p15="http://schemas.microsoft.com/office/powerpoint/2012/main"/>
+    </p:ext>
+  </p:extLst>
 </p:presentation>
 </file>
 
@@ -4905,8 +4910,8 @@
         </p:blipFill>
         <p:spPr>
           <a:xfrm>
-            <a:off x="6772275" y="1244599"/>
-            <a:ext cx="5229225" cy="5006155"/>
+            <a:off x="4389541" y="1244597"/>
+            <a:ext cx="3590924" cy="5006155"/>
           </a:xfrm>
           <a:prstGeom prst="rect">
             <a:avLst/>
@@ -4942,7 +4947,37 @@
         <p:spPr>
           <a:xfrm>
             <a:off x="266700" y="1244599"/>
-            <a:ext cx="5229225" cy="5006155"/>
+            <a:ext cx="3590925" cy="5006155"/>
+          </a:xfrm>
+          <a:prstGeom prst="rect">
+            <a:avLst/>
+          </a:prstGeom>
+        </p:spPr>
+      </p:pic>
+      <p:pic>
+        <p:nvPicPr>
+          <p:cNvPr id="5" name="Picture 4">
+            <a:extLst>
+              <a:ext uri="{FF2B5EF4-FFF2-40B4-BE49-F238E27FC236}">
+                <a16:creationId xmlns:a16="http://schemas.microsoft.com/office/drawing/2014/main" id="{66F1C366-657F-4452-AE58-C094CC29F62C}"/>
+              </a:ext>
+            </a:extLst>
+          </p:cNvPr>
+          <p:cNvPicPr>
+            <a:picLocks noChangeAspect="1"/>
+          </p:cNvPicPr>
+          <p:nvPr/>
+        </p:nvPicPr>
+        <p:blipFill>
+          <a:blip r:embed="rId4"/>
+          <a:stretch>
+            <a:fillRect/>
+          </a:stretch>
+        </p:blipFill>
+        <p:spPr>
+          <a:xfrm>
+            <a:off x="8636203" y="1244598"/>
+            <a:ext cx="3590924" cy="5006155"/>
           </a:xfrm>
           <a:prstGeom prst="rect">
             <a:avLst/>

--- a/Presentation Time Series.pptx
+++ b/Presentation Time Series.pptx
@@ -4884,10 +4884,10 @@
       </p:sp>
       <p:pic>
         <p:nvPicPr>
-          <p:cNvPr id="4" name="Picture 3">
-            <a:extLst>
-              <a:ext uri="{FF2B5EF4-FFF2-40B4-BE49-F238E27FC236}">
-                <a16:creationId xmlns:a16="http://schemas.microsoft.com/office/drawing/2014/main" id="{733D1B3E-C89A-4D54-AFBB-451A8A65FA4F}"/>
+          <p:cNvPr id="7" name="Picture 6">
+            <a:extLst>
+              <a:ext uri="{FF2B5EF4-FFF2-40B4-BE49-F238E27FC236}">
+                <a16:creationId xmlns:a16="http://schemas.microsoft.com/office/drawing/2014/main" id="{FEBFFA38-9EB8-4248-86F1-BDEBB7DBB18C}"/>
               </a:ext>
             </a:extLst>
           </p:cNvPr>
@@ -4897,21 +4897,15 @@
           <p:nvPr/>
         </p:nvPicPr>
         <p:blipFill>
-          <a:blip r:embed="rId2">
-            <a:extLst>
-              <a:ext uri="{28A0092B-C50C-407E-A947-70E740481C1C}">
-                <a14:useLocalDpi xmlns:a14="http://schemas.microsoft.com/office/drawing/2010/main" val="0"/>
-              </a:ext>
-            </a:extLst>
-          </a:blip>
+          <a:blip r:embed="rId2"/>
           <a:stretch>
             <a:fillRect/>
           </a:stretch>
         </p:blipFill>
         <p:spPr>
           <a:xfrm>
-            <a:off x="4389541" y="1244597"/>
-            <a:ext cx="3590924" cy="5006155"/>
+            <a:off x="4225829" y="1749325"/>
+            <a:ext cx="3740342" cy="4737200"/>
           </a:xfrm>
           <a:prstGeom prst="rect">
             <a:avLst/>
@@ -4920,10 +4914,10 @@
       </p:pic>
       <p:pic>
         <p:nvPicPr>
-          <p:cNvPr id="6" name="Picture 5">
-            <a:extLst>
-              <a:ext uri="{FF2B5EF4-FFF2-40B4-BE49-F238E27FC236}">
-                <a16:creationId xmlns:a16="http://schemas.microsoft.com/office/drawing/2014/main" id="{98348A69-3443-401D-BB75-9F992023303A}"/>
+          <p:cNvPr id="9" name="Picture 8">
+            <a:extLst>
+              <a:ext uri="{FF2B5EF4-FFF2-40B4-BE49-F238E27FC236}">
+                <a16:creationId xmlns:a16="http://schemas.microsoft.com/office/drawing/2014/main" id="{C1D88FDD-5613-41CE-964D-652E3874CB6F}"/>
               </a:ext>
             </a:extLst>
           </p:cNvPr>
@@ -4933,21 +4927,15 @@
           <p:nvPr/>
         </p:nvPicPr>
         <p:blipFill>
-          <a:blip r:embed="rId3">
-            <a:extLst>
-              <a:ext uri="{28A0092B-C50C-407E-A947-70E740481C1C}">
-                <a14:useLocalDpi xmlns:a14="http://schemas.microsoft.com/office/drawing/2010/main" val="0"/>
-              </a:ext>
-            </a:extLst>
-          </a:blip>
+          <a:blip r:embed="rId3"/>
           <a:stretch>
             <a:fillRect/>
           </a:stretch>
         </p:blipFill>
         <p:spPr>
           <a:xfrm>
-            <a:off x="266700" y="1244599"/>
-            <a:ext cx="3590925" cy="5006155"/>
+            <a:off x="8451659" y="1749324"/>
+            <a:ext cx="3740342" cy="4737201"/>
           </a:xfrm>
           <a:prstGeom prst="rect">
             <a:avLst/>
@@ -4956,10 +4944,10 @@
       </p:pic>
       <p:pic>
         <p:nvPicPr>
-          <p:cNvPr id="5" name="Picture 4">
-            <a:extLst>
-              <a:ext uri="{FF2B5EF4-FFF2-40B4-BE49-F238E27FC236}">
-                <a16:creationId xmlns:a16="http://schemas.microsoft.com/office/drawing/2014/main" id="{66F1C366-657F-4452-AE58-C094CC29F62C}"/>
+          <p:cNvPr id="11" name="Picture 10">
+            <a:extLst>
+              <a:ext uri="{FF2B5EF4-FFF2-40B4-BE49-F238E27FC236}">
+                <a16:creationId xmlns:a16="http://schemas.microsoft.com/office/drawing/2014/main" id="{A12233FE-7651-45B0-8A6A-CB0484441924}"/>
               </a:ext>
             </a:extLst>
           </p:cNvPr>
@@ -4976,8 +4964,8 @@
         </p:blipFill>
         <p:spPr>
           <a:xfrm>
-            <a:off x="8636203" y="1244598"/>
-            <a:ext cx="3590924" cy="5006155"/>
+            <a:off x="133254" y="1749324"/>
+            <a:ext cx="3740342" cy="4737199"/>
           </a:xfrm>
           <a:prstGeom prst="rect">
             <a:avLst/>
@@ -5074,9 +5062,8 @@
           <a:p>
             <a:r>
               <a:rPr lang="en-US" sz="3200" b="1" dirty="0"/>
-              <a:t>X4, ARIMA(3,1,4)</a:t>
-            </a:r>
-            <a:endParaRPr lang="az-Latn-AZ" sz="3200" b="1" dirty="0"/>
+              <a:t>X4, ARIMA(3,1,4) </a:t>
+            </a:r>
           </a:p>
         </p:txBody>
       </p:sp>
